--- a/EAS/Film_Locations_in_San_Francisco.pptx
+++ b/EAS/Film_Locations_in_San_Francisco.pptx
@@ -12,7 +12,9 @@
     <p:sldId id="260" r:id="rId6"/>
     <p:sldId id="261" r:id="rId7"/>
     <p:sldId id="262" r:id="rId8"/>
-    <p:sldId id="263" r:id="rId9"/>
+    <p:sldId id="264" r:id="rId9"/>
+    <p:sldId id="265" r:id="rId10"/>
+    <p:sldId id="263" r:id="rId11"/>
   </p:sldIdLst>
   <p:sldSz cx="12192000" cy="6858000"/>
   <p:notesSz cx="6858000" cy="9144000"/>
@@ -113,7 +115,7 @@
   </p:defaultTextStyle>
   <p:extLst>
     <p:ext uri="{EFAFB233-063F-42B5-8137-9DF3F51BA10A}">
-      <p15:sldGuideLst xmlns:p15="http://schemas.microsoft.com/office/powerpoint/2012/main"/>
+      <p15:sldGuideLst xmlns:p15="http://schemas.microsoft.com/office/powerpoint/2012/main" xmlns=""/>
     </p:ext>
   </p:extLst>
 </p:presentation>
@@ -349,7 +351,7 @@
             <a:fld id="{B61BEF0D-F0BB-DE4B-95CE-6DB70DBA9567}" type="datetimeFigureOut">
               <a:rPr lang="en-US" smtClean="0"/>
               <a:pPr/>
-              <a:t>4/8/2016</a:t>
+              <a:t>5/30/2016</a:t>
             </a:fld>
             <a:endParaRPr lang="en-US" dirty="0"/>
           </a:p>
@@ -418,13 +420,13 @@
   <p:clrMapOvr>
     <a:overrideClrMapping bg1="dk1" tx1="lt1" bg2="dk2" tx2="lt2" accent1="accent1" accent2="accent2" accent3="accent3" accent4="accent4" accent5="accent5" accent6="accent6" hlink="hlink" folHlink="folHlink"/>
   </p:clrMapOvr>
-  <mc:AlternateContent xmlns:mc="http://schemas.openxmlformats.org/markup-compatibility/2006">
-    <mc:Choice xmlns:p14="http://schemas.microsoft.com/office/powerpoint/2010/main" Requires="p14">
+  <mc:AlternateContent xmlns:mc="http://schemas.openxmlformats.org/markup-compatibility/2006" xmlns:p14="http://schemas.microsoft.com/office/powerpoint/2010/main">
+    <mc:Choice Requires="p14">
       <p:transition spd="med" p14:dur="700">
         <p:fade/>
       </p:transition>
     </mc:Choice>
-    <mc:Fallback>
+    <mc:Fallback xmlns="">
       <p:transition spd="med">
         <p:fade/>
       </p:transition>
@@ -432,7 +434,7 @@
   </mc:AlternateContent>
   <p:extLst mod="1">
     <p:ext uri="{DCECCB84-F9BA-43D5-87BE-67443E8EF086}">
-      <p15:sldGuideLst xmlns:p15="http://schemas.microsoft.com/office/powerpoint/2012/main"/>
+      <p15:sldGuideLst xmlns:p15="http://schemas.microsoft.com/office/powerpoint/2012/main" xmlns=""/>
     </p:ext>
   </p:extLst>
 </p:sldLayout>
@@ -702,7 +704,7 @@
             <a:fld id="{B61BEF0D-F0BB-DE4B-95CE-6DB70DBA9567}" type="datetimeFigureOut">
               <a:rPr lang="en-US" smtClean="0"/>
               <a:pPr/>
-              <a:t>4/8/2016</a:t>
+              <a:t>5/30/2016</a:t>
             </a:fld>
             <a:endParaRPr lang="en-US" dirty="0"/>
           </a:p>
@@ -761,13 +763,13 @@
   <p:clrMapOvr>
     <a:masterClrMapping/>
   </p:clrMapOvr>
-  <mc:AlternateContent xmlns:mc="http://schemas.openxmlformats.org/markup-compatibility/2006">
-    <mc:Choice xmlns:p14="http://schemas.microsoft.com/office/powerpoint/2010/main" Requires="p14">
+  <mc:AlternateContent xmlns:mc="http://schemas.openxmlformats.org/markup-compatibility/2006" xmlns:p14="http://schemas.microsoft.com/office/powerpoint/2010/main">
+    <mc:Choice Requires="p14">
       <p:transition spd="med" p14:dur="700">
         <p:fade/>
       </p:transition>
     </mc:Choice>
-    <mc:Fallback>
+    <mc:Fallback xmlns="">
       <p:transition spd="med">
         <p:fade/>
       </p:transition>
@@ -994,7 +996,7 @@
             <a:fld id="{B61BEF0D-F0BB-DE4B-95CE-6DB70DBA9567}" type="datetimeFigureOut">
               <a:rPr lang="en-US" smtClean="0"/>
               <a:pPr/>
-              <a:t>4/8/2016</a:t>
+              <a:t>5/30/2016</a:t>
             </a:fld>
             <a:endParaRPr lang="en-US" dirty="0"/>
           </a:p>
@@ -1053,13 +1055,13 @@
   <p:clrMapOvr>
     <a:masterClrMapping/>
   </p:clrMapOvr>
-  <mc:AlternateContent xmlns:mc="http://schemas.openxmlformats.org/markup-compatibility/2006">
-    <mc:Choice xmlns:p14="http://schemas.microsoft.com/office/powerpoint/2010/main" Requires="p14">
+  <mc:AlternateContent xmlns:mc="http://schemas.openxmlformats.org/markup-compatibility/2006" xmlns:p14="http://schemas.microsoft.com/office/powerpoint/2010/main">
+    <mc:Choice Requires="p14">
       <p:transition spd="med" p14:dur="700">
         <p:fade/>
       </p:transition>
     </mc:Choice>
-    <mc:Fallback>
+    <mc:Fallback xmlns="">
       <p:transition spd="med">
         <p:fade/>
       </p:transition>
@@ -1576,7 +1578,7 @@
             <a:fld id="{B61BEF0D-F0BB-DE4B-95CE-6DB70DBA9567}" type="datetimeFigureOut">
               <a:rPr lang="en-US" smtClean="0"/>
               <a:pPr/>
-              <a:t>4/8/2016</a:t>
+              <a:t>5/30/2016</a:t>
             </a:fld>
             <a:endParaRPr lang="en-US" dirty="0"/>
           </a:p>
@@ -1635,13 +1637,13 @@
   <p:clrMapOvr>
     <a:masterClrMapping/>
   </p:clrMapOvr>
-  <mc:AlternateContent xmlns:mc="http://schemas.openxmlformats.org/markup-compatibility/2006">
-    <mc:Choice xmlns:p14="http://schemas.microsoft.com/office/powerpoint/2010/main" Requires="p14">
+  <mc:AlternateContent xmlns:mc="http://schemas.openxmlformats.org/markup-compatibility/2006" xmlns:p14="http://schemas.microsoft.com/office/powerpoint/2010/main">
+    <mc:Choice Requires="p14">
       <p:transition spd="med" p14:dur="700">
         <p:fade/>
       </p:transition>
     </mc:Choice>
-    <mc:Fallback>
+    <mc:Fallback xmlns="">
       <p:transition spd="med">
         <p:fade/>
       </p:transition>
@@ -1868,7 +1870,7 @@
             <a:fld id="{B61BEF0D-F0BB-DE4B-95CE-6DB70DBA9567}" type="datetimeFigureOut">
               <a:rPr lang="en-US" smtClean="0"/>
               <a:pPr/>
-              <a:t>4/8/2016</a:t>
+              <a:t>5/30/2016</a:t>
             </a:fld>
             <a:endParaRPr lang="en-US" dirty="0"/>
           </a:p>
@@ -1927,13 +1929,13 @@
   <p:clrMapOvr>
     <a:masterClrMapping/>
   </p:clrMapOvr>
-  <mc:AlternateContent xmlns:mc="http://schemas.openxmlformats.org/markup-compatibility/2006">
-    <mc:Choice xmlns:p14="http://schemas.microsoft.com/office/powerpoint/2010/main" Requires="p14">
+  <mc:AlternateContent xmlns:mc="http://schemas.openxmlformats.org/markup-compatibility/2006" xmlns:p14="http://schemas.microsoft.com/office/powerpoint/2010/main">
+    <mc:Choice Requires="p14">
       <p:transition spd="med" p14:dur="700">
         <p:fade/>
       </p:transition>
     </mc:Choice>
-    <mc:Fallback>
+    <mc:Fallback xmlns="">
       <p:transition spd="med">
         <p:fade/>
       </p:transition>
@@ -2444,7 +2446,7 @@
             <a:fld id="{B61BEF0D-F0BB-DE4B-95CE-6DB70DBA9567}" type="datetimeFigureOut">
               <a:rPr lang="en-US" smtClean="0"/>
               <a:pPr/>
-              <a:t>4/8/2016</a:t>
+              <a:t>5/30/2016</a:t>
             </a:fld>
             <a:endParaRPr lang="en-US" dirty="0"/>
           </a:p>
@@ -2503,13 +2505,13 @@
   <p:clrMapOvr>
     <a:masterClrMapping/>
   </p:clrMapOvr>
-  <mc:AlternateContent xmlns:mc="http://schemas.openxmlformats.org/markup-compatibility/2006">
-    <mc:Choice xmlns:p14="http://schemas.microsoft.com/office/powerpoint/2010/main" Requires="p14">
+  <mc:AlternateContent xmlns:mc="http://schemas.openxmlformats.org/markup-compatibility/2006" xmlns:p14="http://schemas.microsoft.com/office/powerpoint/2010/main">
+    <mc:Choice Requires="p14">
       <p:transition spd="med" p14:dur="700">
         <p:fade/>
       </p:transition>
     </mc:Choice>
-    <mc:Fallback>
+    <mc:Fallback xmlns="">
       <p:transition spd="med">
         <p:fade/>
       </p:transition>
@@ -2785,7 +2787,7 @@
             <a:fld id="{B61BEF0D-F0BB-DE4B-95CE-6DB70DBA9567}" type="datetimeFigureOut">
               <a:rPr lang="en-US" smtClean="0"/>
               <a:pPr/>
-              <a:t>4/8/2016</a:t>
+              <a:t>5/30/2016</a:t>
             </a:fld>
             <a:endParaRPr lang="en-US" dirty="0"/>
           </a:p>
@@ -2844,13 +2846,13 @@
   <p:clrMapOvr>
     <a:masterClrMapping/>
   </p:clrMapOvr>
-  <mc:AlternateContent xmlns:mc="http://schemas.openxmlformats.org/markup-compatibility/2006">
-    <mc:Choice xmlns:p14="http://schemas.microsoft.com/office/powerpoint/2010/main" Requires="p14">
+  <mc:AlternateContent xmlns:mc="http://schemas.openxmlformats.org/markup-compatibility/2006" xmlns:p14="http://schemas.microsoft.com/office/powerpoint/2010/main">
+    <mc:Choice Requires="p14">
       <p:transition spd="med" p14:dur="700">
         <p:fade/>
       </p:transition>
     </mc:Choice>
-    <mc:Fallback>
+    <mc:Fallback xmlns="">
       <p:transition spd="med">
         <p:fade/>
       </p:transition>
@@ -2976,7 +2978,7 @@
             <a:fld id="{B61BEF0D-F0BB-DE4B-95CE-6DB70DBA9567}" type="datetimeFigureOut">
               <a:rPr lang="en-US" smtClean="0"/>
               <a:pPr/>
-              <a:t>4/8/2016</a:t>
+              <a:t>5/30/2016</a:t>
             </a:fld>
             <a:endParaRPr lang="en-US" dirty="0"/>
           </a:p>
@@ -3063,13 +3065,13 @@
   <p:clrMapOvr>
     <a:masterClrMapping/>
   </p:clrMapOvr>
-  <mc:AlternateContent xmlns:mc="http://schemas.openxmlformats.org/markup-compatibility/2006">
-    <mc:Choice xmlns:p14="http://schemas.microsoft.com/office/powerpoint/2010/main" Requires="p14">
+  <mc:AlternateContent xmlns:mc="http://schemas.openxmlformats.org/markup-compatibility/2006" xmlns:p14="http://schemas.microsoft.com/office/powerpoint/2010/main">
+    <mc:Choice Requires="p14">
       <p:transition spd="med" p14:dur="700">
         <p:fade/>
       </p:transition>
     </mc:Choice>
-    <mc:Fallback>
+    <mc:Fallback xmlns="">
       <p:transition spd="med">
         <p:fade/>
       </p:transition>
@@ -3228,7 +3230,7 @@
             <a:fld id="{B61BEF0D-F0BB-DE4B-95CE-6DB70DBA9567}" type="datetimeFigureOut">
               <a:rPr lang="en-US" smtClean="0"/>
               <a:pPr/>
-              <a:t>4/8/2016</a:t>
+              <a:t>5/30/2016</a:t>
             </a:fld>
             <a:endParaRPr lang="en-US" dirty="0"/>
           </a:p>
@@ -3287,13 +3289,13 @@
   <p:clrMapOvr>
     <a:masterClrMapping/>
   </p:clrMapOvr>
-  <mc:AlternateContent xmlns:mc="http://schemas.openxmlformats.org/markup-compatibility/2006">
-    <mc:Choice xmlns:p14="http://schemas.microsoft.com/office/powerpoint/2010/main" Requires="p14">
+  <mc:AlternateContent xmlns:mc="http://schemas.openxmlformats.org/markup-compatibility/2006" xmlns:p14="http://schemas.microsoft.com/office/powerpoint/2010/main">
+    <mc:Choice Requires="p14">
       <p:transition spd="med" p14:dur="700">
         <p:fade/>
       </p:transition>
     </mc:Choice>
-    <mc:Fallback>
+    <mc:Fallback xmlns="">
       <p:transition spd="med">
         <p:fade/>
       </p:transition>
@@ -3442,7 +3444,7 @@
             <a:fld id="{B61BEF0D-F0BB-DE4B-95CE-6DB70DBA9567}" type="datetimeFigureOut">
               <a:rPr lang="en-US" smtClean="0"/>
               <a:pPr/>
-              <a:t>4/8/2016</a:t>
+              <a:t>5/30/2016</a:t>
             </a:fld>
             <a:endParaRPr lang="en-US" dirty="0"/>
           </a:p>
@@ -3501,13 +3503,13 @@
   <p:clrMapOvr>
     <a:masterClrMapping/>
   </p:clrMapOvr>
-  <mc:AlternateContent xmlns:mc="http://schemas.openxmlformats.org/markup-compatibility/2006">
-    <mc:Choice xmlns:p14="http://schemas.microsoft.com/office/powerpoint/2010/main" Requires="p14">
+  <mc:AlternateContent xmlns:mc="http://schemas.openxmlformats.org/markup-compatibility/2006" xmlns:p14="http://schemas.microsoft.com/office/powerpoint/2010/main">
+    <mc:Choice Requires="p14">
       <p:transition spd="med" p14:dur="700">
         <p:fade/>
       </p:transition>
     </mc:Choice>
-    <mc:Fallback>
+    <mc:Fallback xmlns="">
       <p:transition spd="med">
         <p:fade/>
       </p:transition>
@@ -3732,7 +3734,7 @@
             <a:fld id="{B61BEF0D-F0BB-DE4B-95CE-6DB70DBA9567}" type="datetimeFigureOut">
               <a:rPr lang="en-US" smtClean="0"/>
               <a:pPr/>
-              <a:t>4/8/2016</a:t>
+              <a:t>5/30/2016</a:t>
             </a:fld>
             <a:endParaRPr lang="en-US" dirty="0"/>
           </a:p>
@@ -3791,13 +3793,13 @@
   <p:clrMapOvr>
     <a:masterClrMapping/>
   </p:clrMapOvr>
-  <mc:AlternateContent xmlns:mc="http://schemas.openxmlformats.org/markup-compatibility/2006">
-    <mc:Choice xmlns:p14="http://schemas.microsoft.com/office/powerpoint/2010/main" Requires="p14">
+  <mc:AlternateContent xmlns:mc="http://schemas.openxmlformats.org/markup-compatibility/2006" xmlns:p14="http://schemas.microsoft.com/office/powerpoint/2010/main">
+    <mc:Choice Requires="p14">
       <p:transition spd="med" p14:dur="700">
         <p:fade/>
       </p:transition>
     </mc:Choice>
-    <mc:Fallback>
+    <mc:Fallback xmlns="">
       <p:transition spd="med">
         <p:fade/>
       </p:transition>
@@ -4012,7 +4014,7 @@
             <a:fld id="{B61BEF0D-F0BB-DE4B-95CE-6DB70DBA9567}" type="datetimeFigureOut">
               <a:rPr lang="en-US" smtClean="0"/>
               <a:pPr/>
-              <a:t>4/8/2016</a:t>
+              <a:t>5/30/2016</a:t>
             </a:fld>
             <a:endParaRPr lang="en-US" dirty="0"/>
           </a:p>
@@ -4071,13 +4073,13 @@
   <p:clrMapOvr>
     <a:masterClrMapping/>
   </p:clrMapOvr>
-  <mc:AlternateContent xmlns:mc="http://schemas.openxmlformats.org/markup-compatibility/2006">
-    <mc:Choice xmlns:p14="http://schemas.microsoft.com/office/powerpoint/2010/main" Requires="p14">
+  <mc:AlternateContent xmlns:mc="http://schemas.openxmlformats.org/markup-compatibility/2006" xmlns:p14="http://schemas.microsoft.com/office/powerpoint/2010/main">
+    <mc:Choice Requires="p14">
       <p:transition spd="med" p14:dur="700">
         <p:fade/>
       </p:transition>
     </mc:Choice>
-    <mc:Fallback>
+    <mc:Fallback xmlns="">
       <p:transition spd="med">
         <p:fade/>
       </p:transition>
@@ -4400,7 +4402,7 @@
             <a:fld id="{B61BEF0D-F0BB-DE4B-95CE-6DB70DBA9567}" type="datetimeFigureOut">
               <a:rPr lang="en-US" smtClean="0"/>
               <a:pPr/>
-              <a:t>4/8/2016</a:t>
+              <a:t>5/30/2016</a:t>
             </a:fld>
             <a:endParaRPr lang="en-US" dirty="0"/>
           </a:p>
@@ -4459,13 +4461,13 @@
   <p:clrMapOvr>
     <a:masterClrMapping/>
   </p:clrMapOvr>
-  <mc:AlternateContent xmlns:mc="http://schemas.openxmlformats.org/markup-compatibility/2006">
-    <mc:Choice xmlns:p14="http://schemas.microsoft.com/office/powerpoint/2010/main" Requires="p14">
+  <mc:AlternateContent xmlns:mc="http://schemas.openxmlformats.org/markup-compatibility/2006" xmlns:p14="http://schemas.microsoft.com/office/powerpoint/2010/main">
+    <mc:Choice Requires="p14">
       <p:transition spd="med" p14:dur="700">
         <p:fade/>
       </p:transition>
     </mc:Choice>
-    <mc:Fallback>
+    <mc:Fallback xmlns="">
       <p:transition spd="med">
         <p:fade/>
       </p:transition>
@@ -4562,7 +4564,7 @@
             <a:fld id="{B61BEF0D-F0BB-DE4B-95CE-6DB70DBA9567}" type="datetimeFigureOut">
               <a:rPr lang="en-US" smtClean="0"/>
               <a:pPr/>
-              <a:t>4/8/2016</a:t>
+              <a:t>5/30/2016</a:t>
             </a:fld>
             <a:endParaRPr lang="en-US" dirty="0"/>
           </a:p>
@@ -4621,13 +4623,13 @@
   <p:clrMapOvr>
     <a:masterClrMapping/>
   </p:clrMapOvr>
-  <mc:AlternateContent xmlns:mc="http://schemas.openxmlformats.org/markup-compatibility/2006">
-    <mc:Choice xmlns:p14="http://schemas.microsoft.com/office/powerpoint/2010/main" Requires="p14">
+  <mc:AlternateContent xmlns:mc="http://schemas.openxmlformats.org/markup-compatibility/2006" xmlns:p14="http://schemas.microsoft.com/office/powerpoint/2010/main">
+    <mc:Choice Requires="p14">
       <p:transition spd="med" p14:dur="700">
         <p:fade/>
       </p:transition>
     </mc:Choice>
-    <mc:Fallback>
+    <mc:Fallback xmlns="">
       <p:transition spd="med">
         <p:fade/>
       </p:transition>
@@ -4701,7 +4703,7 @@
             <a:fld id="{B61BEF0D-F0BB-DE4B-95CE-6DB70DBA9567}" type="datetimeFigureOut">
               <a:rPr lang="en-US" smtClean="0"/>
               <a:pPr/>
-              <a:t>4/8/2016</a:t>
+              <a:t>5/30/2016</a:t>
             </a:fld>
             <a:endParaRPr lang="en-US" dirty="0"/>
           </a:p>
@@ -4760,13 +4762,13 @@
   <p:clrMapOvr>
     <a:masterClrMapping/>
   </p:clrMapOvr>
-  <mc:AlternateContent xmlns:mc="http://schemas.openxmlformats.org/markup-compatibility/2006">
-    <mc:Choice xmlns:p14="http://schemas.microsoft.com/office/powerpoint/2010/main" Requires="p14">
+  <mc:AlternateContent xmlns:mc="http://schemas.openxmlformats.org/markup-compatibility/2006" xmlns:p14="http://schemas.microsoft.com/office/powerpoint/2010/main">
+    <mc:Choice Requires="p14">
       <p:transition spd="med" p14:dur="700">
         <p:fade/>
       </p:transition>
     </mc:Choice>
-    <mc:Fallback>
+    <mc:Fallback xmlns="">
       <p:transition spd="med">
         <p:fade/>
       </p:transition>
@@ -4774,7 +4776,7 @@
   </mc:AlternateContent>
   <p:extLst mod="1">
     <p:ext uri="{DCECCB84-F9BA-43D5-87BE-67443E8EF086}">
-      <p15:sldGuideLst xmlns:p15="http://schemas.microsoft.com/office/powerpoint/2012/main"/>
+      <p15:sldGuideLst xmlns:p15="http://schemas.microsoft.com/office/powerpoint/2012/main" xmlns=""/>
     </p:ext>
   </p:extLst>
 </p:sldLayout>
@@ -5005,7 +5007,7 @@
             <a:fld id="{B61BEF0D-F0BB-DE4B-95CE-6DB70DBA9567}" type="datetimeFigureOut">
               <a:rPr lang="en-US" smtClean="0"/>
               <a:pPr/>
-              <a:t>4/8/2016</a:t>
+              <a:t>5/30/2016</a:t>
             </a:fld>
             <a:endParaRPr lang="en-US" dirty="0"/>
           </a:p>
@@ -5064,13 +5066,13 @@
   <p:clrMapOvr>
     <a:masterClrMapping/>
   </p:clrMapOvr>
-  <mc:AlternateContent xmlns:mc="http://schemas.openxmlformats.org/markup-compatibility/2006">
-    <mc:Choice xmlns:p14="http://schemas.microsoft.com/office/powerpoint/2010/main" Requires="p14">
+  <mc:AlternateContent xmlns:mc="http://schemas.openxmlformats.org/markup-compatibility/2006" xmlns:p14="http://schemas.microsoft.com/office/powerpoint/2010/main">
+    <mc:Choice Requires="p14">
       <p:transition spd="med" p14:dur="700">
         <p:fade/>
       </p:transition>
     </mc:Choice>
-    <mc:Fallback>
+    <mc:Fallback xmlns="">
       <p:transition spd="med">
         <p:fade/>
       </p:transition>
@@ -5078,7 +5080,7 @@
   </mc:AlternateContent>
   <p:extLst mod="1">
     <p:ext uri="{DCECCB84-F9BA-43D5-87BE-67443E8EF086}">
-      <p15:sldGuideLst xmlns:p15="http://schemas.microsoft.com/office/powerpoint/2012/main"/>
+      <p15:sldGuideLst xmlns:p15="http://schemas.microsoft.com/office/powerpoint/2012/main" xmlns=""/>
     </p:ext>
   </p:extLst>
 </p:sldLayout>
@@ -5348,7 +5350,7 @@
             <a:fld id="{B61BEF0D-F0BB-DE4B-95CE-6DB70DBA9567}" type="datetimeFigureOut">
               <a:rPr lang="en-US" smtClean="0"/>
               <a:pPr/>
-              <a:t>4/8/2016</a:t>
+              <a:t>5/30/2016</a:t>
             </a:fld>
             <a:endParaRPr lang="en-US" dirty="0"/>
           </a:p>
@@ -5407,13 +5409,13 @@
   <p:clrMapOvr>
     <a:masterClrMapping/>
   </p:clrMapOvr>
-  <mc:AlternateContent xmlns:mc="http://schemas.openxmlformats.org/markup-compatibility/2006">
-    <mc:Choice xmlns:p14="http://schemas.microsoft.com/office/powerpoint/2010/main" Requires="p14">
+  <mc:AlternateContent xmlns:mc="http://schemas.openxmlformats.org/markup-compatibility/2006" xmlns:p14="http://schemas.microsoft.com/office/powerpoint/2010/main">
+    <mc:Choice Requires="p14">
       <p:transition spd="med" p14:dur="700">
         <p:fade/>
       </p:transition>
     </mc:Choice>
-    <mc:Fallback>
+    <mc:Fallback xmlns="">
       <p:transition spd="med">
         <p:fade/>
       </p:transition>
@@ -5576,7 +5578,7 @@
             <a:fld id="{B61BEF0D-F0BB-DE4B-95CE-6DB70DBA9567}" type="datetimeFigureOut">
               <a:rPr lang="en-US" smtClean="0"/>
               <a:pPr/>
-              <a:t>4/8/2016</a:t>
+              <a:t>5/30/2016</a:t>
             </a:fld>
             <a:endParaRPr lang="en-US" dirty="0"/>
           </a:p>
@@ -5688,13 +5690,13 @@
     <p:sldLayoutId id="2147483697" r:id="rId16"/>
     <p:sldLayoutId id="2147483698" r:id="rId17"/>
   </p:sldLayoutIdLst>
-  <mc:AlternateContent xmlns:mc="http://schemas.openxmlformats.org/markup-compatibility/2006">
-    <mc:Choice xmlns:p14="http://schemas.microsoft.com/office/powerpoint/2010/main" Requires="p14">
+  <mc:AlternateContent xmlns:mc="http://schemas.openxmlformats.org/markup-compatibility/2006" xmlns:p14="http://schemas.microsoft.com/office/powerpoint/2010/main">
+    <mc:Choice Requires="p14">
       <p:transition spd="med" p14:dur="700">
         <p:fade/>
       </p:transition>
     </mc:Choice>
-    <mc:Fallback>
+    <mc:Fallback xmlns="">
       <p:transition spd="med">
         <p:fade/>
       </p:transition>
@@ -6084,7 +6086,7 @@
   </p:txStyles>
   <p:extLst mod="1">
     <p:ext uri="{27BBF7A9-308A-43DC-89C8-2F10F3537804}">
-      <p15:sldGuideLst xmlns:p15="http://schemas.microsoft.com/office/powerpoint/2012/main"/>
+      <p15:sldGuideLst xmlns:p15="http://schemas.microsoft.com/office/powerpoint/2012/main" xmlns=""/>
     </p:ext>
   </p:extLst>
 </p:sldMaster>
@@ -6252,18 +6254,99 @@
   <p:clrMapOvr>
     <a:masterClrMapping/>
   </p:clrMapOvr>
-  <mc:AlternateContent xmlns:mc="http://schemas.openxmlformats.org/markup-compatibility/2006">
-    <mc:Choice xmlns:p14="http://schemas.microsoft.com/office/powerpoint/2010/main" Requires="p14">
-      <p:transition spd="med" p14:dur="700">
-        <p:fade/>
-      </p:transition>
-    </mc:Choice>
-    <mc:Fallback>
-      <p:transition spd="med">
-        <p:fade/>
-      </p:transition>
-    </mc:Fallback>
-  </mc:AlternateContent>
+  <p:transition spd="slow">
+    <p:push dir="u"/>
+  </p:transition>
+  <p:timing>
+    <p:tnLst>
+      <p:par>
+        <p:cTn id="1" dur="indefinite" restart="never" nodeType="tmRoot"/>
+      </p:par>
+    </p:tnLst>
+  </p:timing>
+</p:sld>
+</file>
+
+<file path=ppt/slides/slide10.xml><?xml version="1.0" encoding="utf-8"?>
+<p:sld xmlns:a="http://schemas.openxmlformats.org/drawingml/2006/main" xmlns:r="http://schemas.openxmlformats.org/officeDocument/2006/relationships" xmlns:p="http://schemas.openxmlformats.org/presentationml/2006/main">
+  <p:cSld>
+    <p:spTree>
+      <p:nvGrpSpPr>
+        <p:cNvPr id="1" name=""/>
+        <p:cNvGrpSpPr/>
+        <p:nvPr/>
+      </p:nvGrpSpPr>
+      <p:grpSpPr>
+        <a:xfrm>
+          <a:off x="0" y="0"/>
+          <a:ext cx="0" cy="0"/>
+          <a:chOff x="0" y="0"/>
+          <a:chExt cx="0" cy="0"/>
+        </a:xfrm>
+      </p:grpSpPr>
+      <p:sp>
+        <p:nvSpPr>
+          <p:cNvPr id="4" name="Title 3"/>
+          <p:cNvSpPr>
+            <a:spLocks noGrp="1"/>
+          </p:cNvSpPr>
+          <p:nvPr>
+            <p:ph type="title"/>
+          </p:nvPr>
+        </p:nvSpPr>
+        <p:spPr>
+          <a:xfrm>
+            <a:off x="760753" y="1914496"/>
+            <a:ext cx="10131425" cy="1468800"/>
+          </a:xfrm>
+        </p:spPr>
+        <p:txBody>
+          <a:bodyPr>
+            <a:normAutofit/>
+          </a:bodyPr>
+          <a:lstStyle/>
+          <a:p>
+            <a:pPr algn="ctr"/>
+            <a:r>
+              <a:rPr lang="id-ID" sz="7200" b="1" dirty="0"/>
+              <a:t>Thank You</a:t>
+            </a:r>
+            <a:endParaRPr lang="en-US" sz="7200" b="1" dirty="0"/>
+          </a:p>
+        </p:txBody>
+      </p:sp>
+      <p:sp>
+        <p:nvSpPr>
+          <p:cNvPr id="5" name="Text Placeholder 4"/>
+          <p:cNvSpPr>
+            <a:spLocks noGrp="1"/>
+          </p:cNvSpPr>
+          <p:nvPr>
+            <p:ph type="body" idx="1"/>
+          </p:nvPr>
+        </p:nvSpPr>
+        <p:spPr/>
+        <p:txBody>
+          <a:bodyPr/>
+          <a:lstStyle/>
+          <a:p>
+            <a:endParaRPr lang="en-US"/>
+          </a:p>
+        </p:txBody>
+      </p:sp>
+    </p:spTree>
+    <p:extLst>
+      <p:ext uri="{BB962C8B-B14F-4D97-AF65-F5344CB8AC3E}">
+        <p14:creationId xmlns:p14="http://schemas.microsoft.com/office/powerpoint/2010/main" val="281958981"/>
+      </p:ext>
+    </p:extLst>
+  </p:cSld>
+  <p:clrMapOvr>
+    <a:masterClrMapping/>
+  </p:clrMapOvr>
+  <p:transition spd="slow">
+    <p:push dir="u"/>
+  </p:transition>
   <p:timing>
     <p:tnLst>
       <p:par>
@@ -6381,11 +6464,7 @@
             </a:pPr>
             <a:r>
               <a:rPr lang="en-US" dirty="0" smtClean="0"/>
-              <a:t>F</a:t>
-            </a:r>
-            <a:r>
-              <a:rPr lang="en-US" dirty="0" smtClean="0"/>
-              <a:t>ilm_Locations_in_San_Francisco.csv</a:t>
+              <a:t>Film_Locations_in_San_Francisco.csv</a:t>
             </a:r>
           </a:p>
           <a:p>
@@ -6448,18 +6527,9 @@
   <p:clrMapOvr>
     <a:masterClrMapping/>
   </p:clrMapOvr>
-  <mc:AlternateContent xmlns:mc="http://schemas.openxmlformats.org/markup-compatibility/2006">
-    <mc:Choice xmlns:p14="http://schemas.microsoft.com/office/powerpoint/2010/main" Requires="p14">
-      <p:transition spd="med" p14:dur="700">
-        <p:fade/>
-      </p:transition>
-    </mc:Choice>
-    <mc:Fallback>
-      <p:transition spd="med">
-        <p:fade/>
-      </p:transition>
-    </mc:Fallback>
-  </mc:AlternateContent>
+  <p:transition spd="slow">
+    <p:push dir="u"/>
+  </p:transition>
   <p:timing>
     <p:tnLst>
       <p:par>
@@ -7478,18 +7548,9 @@
   <p:clrMapOvr>
     <a:masterClrMapping/>
   </p:clrMapOvr>
-  <mc:AlternateContent xmlns:mc="http://schemas.openxmlformats.org/markup-compatibility/2006">
-    <mc:Choice xmlns:p14="http://schemas.microsoft.com/office/powerpoint/2010/main" Requires="p14">
-      <p:transition spd="med" p14:dur="700">
-        <p:fade/>
-      </p:transition>
-    </mc:Choice>
-    <mc:Fallback>
-      <p:transition spd="med">
-        <p:fade/>
-      </p:transition>
-    </mc:Fallback>
-  </mc:AlternateContent>
+  <p:transition spd="slow">
+    <p:push dir="u"/>
+  </p:transition>
   <p:timing>
     <p:tnLst>
       <p:par>
@@ -7714,18 +7775,9 @@
   <p:clrMapOvr>
     <a:masterClrMapping/>
   </p:clrMapOvr>
-  <mc:AlternateContent xmlns:mc="http://schemas.openxmlformats.org/markup-compatibility/2006">
-    <mc:Choice xmlns:p14="http://schemas.microsoft.com/office/powerpoint/2010/main" Requires="p14">
-      <p:transition spd="med" p14:dur="700">
-        <p:fade/>
-      </p:transition>
-    </mc:Choice>
-    <mc:Fallback>
-      <p:transition spd="med">
-        <p:fade/>
-      </p:transition>
-    </mc:Fallback>
-  </mc:AlternateContent>
+  <p:transition spd="slow">
+    <p:push dir="u"/>
+  </p:transition>
   <p:timing>
     <p:tnLst>
       <p:par>
@@ -8067,18 +8119,9 @@
   <p:clrMapOvr>
     <a:masterClrMapping/>
   </p:clrMapOvr>
-  <mc:AlternateContent xmlns:mc="http://schemas.openxmlformats.org/markup-compatibility/2006">
-    <mc:Choice xmlns:p14="http://schemas.microsoft.com/office/powerpoint/2010/main" Requires="p14">
-      <p:transition spd="med" p14:dur="700">
-        <p:fade/>
-      </p:transition>
-    </mc:Choice>
-    <mc:Fallback>
-      <p:transition spd="med">
-        <p:fade/>
-      </p:transition>
-    </mc:Fallback>
-  </mc:AlternateContent>
+  <p:transition spd="slow">
+    <p:push dir="u"/>
+  </p:transition>
   <p:timing>
     <p:tnLst>
       <p:par>
@@ -8519,18 +8562,9 @@
   <p:clrMapOvr>
     <a:masterClrMapping/>
   </p:clrMapOvr>
-  <mc:AlternateContent xmlns:mc="http://schemas.openxmlformats.org/markup-compatibility/2006">
-    <mc:Choice xmlns:p14="http://schemas.microsoft.com/office/powerpoint/2010/main" Requires="p14">
-      <p:transition spd="med" p14:dur="700">
-        <p:fade/>
-      </p:transition>
-    </mc:Choice>
-    <mc:Fallback>
-      <p:transition spd="med">
-        <p:fade/>
-      </p:transition>
-    </mc:Fallback>
-  </mc:AlternateContent>
+  <p:transition spd="slow">
+    <p:push dir="u"/>
+  </p:transition>
   <p:timing>
     <p:tnLst>
       <p:par>
@@ -8959,18 +8993,9 @@
   <p:clrMapOvr>
     <a:masterClrMapping/>
   </p:clrMapOvr>
-  <mc:AlternateContent xmlns:mc="http://schemas.openxmlformats.org/markup-compatibility/2006">
-    <mc:Choice xmlns:p14="http://schemas.microsoft.com/office/powerpoint/2010/main" Requires="p14">
-      <p:transition spd="med" p14:dur="700">
-        <p:fade/>
-      </p:transition>
-    </mc:Choice>
-    <mc:Fallback>
-      <p:transition spd="med">
-        <p:fade/>
-      </p:transition>
-    </mc:Fallback>
-  </mc:AlternateContent>
+  <p:transition spd="slow">
+    <p:push dir="u"/>
+  </p:transition>
   <p:timing>
     <p:tnLst>
       <p:par>
@@ -9246,12 +9271,35 @@
       </p:grpSpPr>
       <p:sp>
         <p:nvSpPr>
-          <p:cNvPr id="4" name="Title 3"/>
+          <p:cNvPr id="2" name="Title 1"/>
           <p:cNvSpPr>
             <a:spLocks noGrp="1"/>
           </p:cNvSpPr>
           <p:nvPr>
             <p:ph type="title"/>
+          </p:nvPr>
+        </p:nvSpPr>
+        <p:spPr/>
+        <p:txBody>
+          <a:bodyPr/>
+          <a:lstStyle/>
+          <a:p>
+            <a:r>
+              <a:rPr lang="en-US" dirty="0" err="1" smtClean="0"/>
+              <a:t>Kesimpulan</a:t>
+            </a:r>
+            <a:endParaRPr lang="en-US" dirty="0"/>
+          </a:p>
+        </p:txBody>
+      </p:sp>
+      <p:sp>
+        <p:nvSpPr>
+          <p:cNvPr id="3" name="Content Placeholder 2"/>
+          <p:cNvSpPr>
+            <a:spLocks noGrp="1"/>
+          </p:cNvSpPr>
+          <p:nvPr>
+            <p:ph idx="1"/>
           </p:nvPr>
         </p:nvSpPr>
         <p:spPr/>
@@ -9261,62 +9309,796 @@
           </a:bodyPr>
           <a:lstStyle/>
           <a:p>
-            <a:pPr algn="ctr"/>
-            <a:r>
-              <a:rPr lang="id-ID" sz="7200" b="1" dirty="0"/>
-              <a:t>Thank You</a:t>
-            </a:r>
-            <a:endParaRPr lang="en-US" sz="7200" b="1" dirty="0"/>
-          </a:p>
-        </p:txBody>
-      </p:sp>
-      <p:sp>
-        <p:nvSpPr>
-          <p:cNvPr id="5" name="Text Placeholder 4"/>
-          <p:cNvSpPr>
-            <a:spLocks noGrp="1"/>
-          </p:cNvSpPr>
-          <p:nvPr>
-            <p:ph type="body" idx="1"/>
-          </p:nvPr>
-        </p:nvSpPr>
-        <p:spPr/>
-        <p:txBody>
-          <a:bodyPr/>
-          <a:lstStyle/>
-          <a:p>
-            <a:endParaRPr lang="en-US"/>
+            <a:pPr marL="342900" indent="-342900">
+              <a:buFont typeface="+mj-lt"/>
+              <a:buAutoNum type="arabicPeriod"/>
+            </a:pPr>
+            <a:r>
+              <a:rPr lang="en-US" sz="2400" dirty="0" err="1"/>
+              <a:t>Pada</a:t>
+            </a:r>
+            <a:r>
+              <a:rPr lang="en-US" sz="2400" dirty="0"/>
+              <a:t> dataset film location </a:t>
+            </a:r>
+            <a:r>
+              <a:rPr lang="en-US" sz="2400" dirty="0" err="1"/>
+              <a:t>ini</a:t>
+            </a:r>
+            <a:r>
+              <a:rPr lang="en-US" sz="2400" dirty="0"/>
+              <a:t> </a:t>
+            </a:r>
+            <a:r>
+              <a:rPr lang="en-US" sz="2400" dirty="0" err="1"/>
+              <a:t>tidak</a:t>
+            </a:r>
+            <a:r>
+              <a:rPr lang="en-US" sz="2400" dirty="0"/>
+              <a:t> </a:t>
+            </a:r>
+            <a:r>
+              <a:rPr lang="en-US" sz="2400" dirty="0" err="1"/>
+              <a:t>bisa</a:t>
+            </a:r>
+            <a:r>
+              <a:rPr lang="en-US" sz="2400" dirty="0"/>
+              <a:t> </a:t>
+            </a:r>
+            <a:r>
+              <a:rPr lang="en-US" sz="2400" dirty="0" err="1"/>
+              <a:t>dilakukan</a:t>
+            </a:r>
+            <a:r>
+              <a:rPr lang="en-US" sz="2400" dirty="0"/>
+              <a:t> proses mining yang </a:t>
+            </a:r>
+            <a:r>
+              <a:rPr lang="en-US" sz="2400" dirty="0" err="1"/>
+              <a:t>lebih</a:t>
+            </a:r>
+            <a:r>
+              <a:rPr lang="en-US" sz="2400" dirty="0"/>
+              <a:t> </a:t>
+            </a:r>
+            <a:r>
+              <a:rPr lang="en-US" sz="2400" dirty="0" err="1"/>
+              <a:t>variatif</a:t>
+            </a:r>
+            <a:r>
+              <a:rPr lang="en-US" sz="2400" dirty="0"/>
+              <a:t>. </a:t>
+            </a:r>
+          </a:p>
+          <a:p>
+            <a:pPr marL="342900" indent="-342900">
+              <a:buFont typeface="+mj-lt"/>
+              <a:buAutoNum type="arabicPeriod"/>
+            </a:pPr>
+            <a:r>
+              <a:rPr lang="en-US" sz="2400" dirty="0" smtClean="0"/>
+              <a:t>Dataset </a:t>
+            </a:r>
+            <a:r>
+              <a:rPr lang="en-US" sz="2400" dirty="0" err="1"/>
+              <a:t>tidak</a:t>
+            </a:r>
+            <a:r>
+              <a:rPr lang="en-US" sz="2400" dirty="0"/>
+              <a:t> </a:t>
+            </a:r>
+            <a:r>
+              <a:rPr lang="en-US" sz="2400" dirty="0" err="1"/>
+              <a:t>bisa</a:t>
+            </a:r>
+            <a:r>
+              <a:rPr lang="en-US" sz="2400" dirty="0"/>
+              <a:t> </a:t>
+            </a:r>
+            <a:r>
+              <a:rPr lang="en-US" sz="2400" dirty="0" err="1"/>
+              <a:t>dilakukan</a:t>
+            </a:r>
+            <a:r>
+              <a:rPr lang="en-US" sz="2400" dirty="0"/>
+              <a:t> </a:t>
+            </a:r>
+            <a:r>
+              <a:rPr lang="en-US" sz="2400" dirty="0" err="1"/>
+              <a:t>untuk</a:t>
+            </a:r>
+            <a:r>
+              <a:rPr lang="en-US" sz="2400" dirty="0"/>
+              <a:t> clustering. </a:t>
+            </a:r>
+          </a:p>
+          <a:p>
+            <a:pPr marL="342900" indent="-342900">
+              <a:buFont typeface="+mj-lt"/>
+              <a:buAutoNum type="arabicPeriod"/>
+            </a:pPr>
+            <a:r>
+              <a:rPr lang="en-US" sz="2400" dirty="0" err="1" smtClean="0"/>
+              <a:t>Hanya</a:t>
+            </a:r>
+            <a:r>
+              <a:rPr lang="en-US" sz="2400" dirty="0" smtClean="0"/>
+              <a:t> </a:t>
+            </a:r>
+            <a:r>
+              <a:rPr lang="en-US" sz="2400" dirty="0" err="1"/>
+              <a:t>bisa</a:t>
+            </a:r>
+            <a:r>
+              <a:rPr lang="en-US" sz="2400" dirty="0"/>
+              <a:t> </a:t>
+            </a:r>
+            <a:r>
+              <a:rPr lang="en-US" sz="2400" dirty="0" err="1"/>
+              <a:t>dilakukan</a:t>
+            </a:r>
+            <a:r>
+              <a:rPr lang="en-US" sz="2400" dirty="0"/>
+              <a:t> </a:t>
+            </a:r>
+            <a:r>
+              <a:rPr lang="en-US" sz="2400" dirty="0" err="1"/>
+              <a:t>dengan</a:t>
+            </a:r>
+            <a:r>
+              <a:rPr lang="en-US" sz="2400" dirty="0"/>
+              <a:t> </a:t>
+            </a:r>
+            <a:r>
+              <a:rPr lang="en-US" sz="2400" dirty="0" err="1"/>
+              <a:t>menggunakan</a:t>
+            </a:r>
+            <a:r>
+              <a:rPr lang="en-US" sz="2400" dirty="0"/>
+              <a:t> </a:t>
+            </a:r>
+            <a:r>
+              <a:rPr lang="en-US" sz="2400" dirty="0" err="1"/>
+              <a:t>metode</a:t>
+            </a:r>
+            <a:r>
+              <a:rPr lang="en-US" sz="2400" dirty="0"/>
+              <a:t> Map and Reduce </a:t>
+            </a:r>
+            <a:r>
+              <a:rPr lang="en-US" sz="2400" dirty="0" err="1"/>
+              <a:t>dan</a:t>
+            </a:r>
+            <a:r>
+              <a:rPr lang="en-US" sz="2400" dirty="0"/>
+              <a:t> TFIDF </a:t>
+            </a:r>
+            <a:r>
+              <a:rPr lang="en-US" sz="2400" dirty="0" err="1"/>
+              <a:t>dengan</a:t>
+            </a:r>
+            <a:r>
+              <a:rPr lang="en-US" sz="2400" dirty="0"/>
+              <a:t> </a:t>
+            </a:r>
+            <a:r>
+              <a:rPr lang="en-US" sz="2400" dirty="0" err="1"/>
+              <a:t>menggunakan</a:t>
+            </a:r>
+            <a:r>
+              <a:rPr lang="en-US" sz="2400" dirty="0"/>
+              <a:t> data </a:t>
+            </a:r>
+            <a:r>
+              <a:rPr lang="en-US" sz="2400" dirty="0" err="1"/>
+              <a:t>secara</a:t>
+            </a:r>
+            <a:r>
+              <a:rPr lang="en-US" sz="2400" dirty="0"/>
+              <a:t> </a:t>
+            </a:r>
+            <a:r>
+              <a:rPr lang="en-US" sz="2400" dirty="0" err="1"/>
+              <a:t>keseluruhan</a:t>
+            </a:r>
+            <a:r>
+              <a:rPr lang="en-US" sz="2400" dirty="0"/>
+              <a:t>. </a:t>
+            </a:r>
+          </a:p>
+          <a:p>
+            <a:pPr marL="342900" indent="-342900">
+              <a:buFont typeface="+mj-lt"/>
+              <a:buAutoNum type="arabicPeriod"/>
+            </a:pPr>
+            <a:r>
+              <a:rPr lang="en-US" sz="2400" dirty="0" err="1" smtClean="0"/>
+              <a:t>Untuk</a:t>
+            </a:r>
+            <a:r>
+              <a:rPr lang="en-US" sz="2400" dirty="0" smtClean="0"/>
+              <a:t> </a:t>
+            </a:r>
+            <a:r>
+              <a:rPr lang="en-US" sz="2400" dirty="0" err="1"/>
+              <a:t>algoritma</a:t>
+            </a:r>
+            <a:r>
+              <a:rPr lang="en-US" sz="2400" dirty="0"/>
+              <a:t> map and reduce </a:t>
+            </a:r>
+            <a:r>
+              <a:rPr lang="en-US" sz="2400" dirty="0" err="1"/>
+              <a:t>cukup</a:t>
+            </a:r>
+            <a:r>
+              <a:rPr lang="en-US" sz="2400" dirty="0"/>
+              <a:t> </a:t>
+            </a:r>
+            <a:r>
+              <a:rPr lang="en-US" sz="2400" dirty="0" err="1"/>
+              <a:t>mudah</a:t>
+            </a:r>
+            <a:r>
+              <a:rPr lang="en-US" sz="2400" dirty="0"/>
+              <a:t> </a:t>
+            </a:r>
+            <a:r>
+              <a:rPr lang="en-US" sz="2400" dirty="0" err="1"/>
+              <a:t>digunakan</a:t>
+            </a:r>
+            <a:r>
+              <a:rPr lang="en-US" sz="2400" dirty="0"/>
+              <a:t> </a:t>
+            </a:r>
+            <a:r>
+              <a:rPr lang="en-US" sz="2400" dirty="0" err="1"/>
+              <a:t>untuk</a:t>
+            </a:r>
+            <a:r>
+              <a:rPr lang="en-US" sz="2400" dirty="0"/>
+              <a:t> </a:t>
+            </a:r>
+            <a:r>
+              <a:rPr lang="en-US" sz="2400" dirty="0" err="1"/>
+              <a:t>melakukan</a:t>
+            </a:r>
+            <a:r>
+              <a:rPr lang="en-US" sz="2400" dirty="0"/>
+              <a:t> mining yang </a:t>
+            </a:r>
+            <a:r>
+              <a:rPr lang="en-US" sz="2400" dirty="0" err="1"/>
+              <a:t>sederhana</a:t>
+            </a:r>
+            <a:endParaRPr lang="en-US" sz="2400" dirty="0"/>
           </a:p>
         </p:txBody>
       </p:sp>
     </p:spTree>
     <p:extLst>
       <p:ext uri="{BB962C8B-B14F-4D97-AF65-F5344CB8AC3E}">
-        <p14:creationId xmlns:p14="http://schemas.microsoft.com/office/powerpoint/2010/main" val="281958981"/>
+        <p14:creationId xmlns:p14="http://schemas.microsoft.com/office/powerpoint/2010/main" val="3449951604"/>
       </p:ext>
     </p:extLst>
   </p:cSld>
   <p:clrMapOvr>
     <a:masterClrMapping/>
   </p:clrMapOvr>
-  <mc:AlternateContent xmlns:mc="http://schemas.openxmlformats.org/markup-compatibility/2006">
-    <mc:Choice xmlns:p14="http://schemas.microsoft.com/office/powerpoint/2010/main" Requires="p14">
-      <p:transition spd="med" p14:dur="700">
-        <p:fade/>
-      </p:transition>
-    </mc:Choice>
-    <mc:Fallback>
-      <p:transition spd="med">
-        <p:fade/>
-      </p:transition>
-    </mc:Fallback>
-  </mc:AlternateContent>
+  <p:transition spd="slow">
+    <p:push dir="u"/>
+  </p:transition>
   <p:timing>
     <p:tnLst>
       <p:par>
-        <p:cTn id="1" dur="indefinite" restart="never" nodeType="tmRoot"/>
+        <p:cTn id="1" dur="indefinite" restart="never" nodeType="tmRoot">
+          <p:childTnLst>
+            <p:seq concurrent="1" nextAc="seek">
+              <p:cTn id="2" dur="indefinite" nodeType="mainSeq">
+                <p:childTnLst>
+                  <p:par>
+                    <p:cTn id="3" fill="hold">
+                      <p:stCondLst>
+                        <p:cond delay="indefinite"/>
+                        <p:cond evt="onBegin" delay="0">
+                          <p:tn val="2"/>
+                        </p:cond>
+                      </p:stCondLst>
+                      <p:childTnLst>
+                        <p:par>
+                          <p:cTn id="4" fill="hold">
+                            <p:stCondLst>
+                              <p:cond delay="0"/>
+                            </p:stCondLst>
+                            <p:childTnLst>
+                              <p:par>
+                                <p:cTn id="5" presetID="22" presetClass="entr" presetSubtype="4" fill="hold" nodeType="afterEffect">
+                                  <p:stCondLst>
+                                    <p:cond delay="0"/>
+                                  </p:stCondLst>
+                                  <p:childTnLst>
+                                    <p:set>
+                                      <p:cBhvr>
+                                        <p:cTn id="6" dur="1" fill="hold">
+                                          <p:stCondLst>
+                                            <p:cond delay="0"/>
+                                          </p:stCondLst>
+                                        </p:cTn>
+                                        <p:tgtEl>
+                                          <p:spTgt spid="3">
+                                            <p:txEl>
+                                              <p:pRg st="0" end="0"/>
+                                            </p:txEl>
+                                          </p:spTgt>
+                                        </p:tgtEl>
+                                        <p:attrNameLst>
+                                          <p:attrName>style.visibility</p:attrName>
+                                        </p:attrNameLst>
+                                      </p:cBhvr>
+                                      <p:to>
+                                        <p:strVal val="visible"/>
+                                      </p:to>
+                                    </p:set>
+                                    <p:animEffect transition="in" filter="wipe(down)">
+                                      <p:cBhvr>
+                                        <p:cTn id="7" dur="500"/>
+                                        <p:tgtEl>
+                                          <p:spTgt spid="3">
+                                            <p:txEl>
+                                              <p:pRg st="0" end="0"/>
+                                            </p:txEl>
+                                          </p:spTgt>
+                                        </p:tgtEl>
+                                      </p:cBhvr>
+                                    </p:animEffect>
+                                  </p:childTnLst>
+                                </p:cTn>
+                              </p:par>
+                            </p:childTnLst>
+                          </p:cTn>
+                        </p:par>
+                        <p:par>
+                          <p:cTn id="8" fill="hold">
+                            <p:stCondLst>
+                              <p:cond delay="500"/>
+                            </p:stCondLst>
+                            <p:childTnLst>
+                              <p:par>
+                                <p:cTn id="9" presetID="22" presetClass="entr" presetSubtype="4" fill="hold" nodeType="afterEffect">
+                                  <p:stCondLst>
+                                    <p:cond delay="0"/>
+                                  </p:stCondLst>
+                                  <p:childTnLst>
+                                    <p:set>
+                                      <p:cBhvr>
+                                        <p:cTn id="10" dur="1" fill="hold">
+                                          <p:stCondLst>
+                                            <p:cond delay="0"/>
+                                          </p:stCondLst>
+                                        </p:cTn>
+                                        <p:tgtEl>
+                                          <p:spTgt spid="3">
+                                            <p:txEl>
+                                              <p:pRg st="1" end="1"/>
+                                            </p:txEl>
+                                          </p:spTgt>
+                                        </p:tgtEl>
+                                        <p:attrNameLst>
+                                          <p:attrName>style.visibility</p:attrName>
+                                        </p:attrNameLst>
+                                      </p:cBhvr>
+                                      <p:to>
+                                        <p:strVal val="visible"/>
+                                      </p:to>
+                                    </p:set>
+                                    <p:animEffect transition="in" filter="wipe(down)">
+                                      <p:cBhvr>
+                                        <p:cTn id="11" dur="500"/>
+                                        <p:tgtEl>
+                                          <p:spTgt spid="3">
+                                            <p:txEl>
+                                              <p:pRg st="1" end="1"/>
+                                            </p:txEl>
+                                          </p:spTgt>
+                                        </p:tgtEl>
+                                      </p:cBhvr>
+                                    </p:animEffect>
+                                  </p:childTnLst>
+                                </p:cTn>
+                              </p:par>
+                            </p:childTnLst>
+                          </p:cTn>
+                        </p:par>
+                        <p:par>
+                          <p:cTn id="12" fill="hold">
+                            <p:stCondLst>
+                              <p:cond delay="1000"/>
+                            </p:stCondLst>
+                            <p:childTnLst>
+                              <p:par>
+                                <p:cTn id="13" presetID="22" presetClass="entr" presetSubtype="4" fill="hold" nodeType="afterEffect">
+                                  <p:stCondLst>
+                                    <p:cond delay="0"/>
+                                  </p:stCondLst>
+                                  <p:childTnLst>
+                                    <p:set>
+                                      <p:cBhvr>
+                                        <p:cTn id="14" dur="1" fill="hold">
+                                          <p:stCondLst>
+                                            <p:cond delay="0"/>
+                                          </p:stCondLst>
+                                        </p:cTn>
+                                        <p:tgtEl>
+                                          <p:spTgt spid="3">
+                                            <p:txEl>
+                                              <p:pRg st="2" end="2"/>
+                                            </p:txEl>
+                                          </p:spTgt>
+                                        </p:tgtEl>
+                                        <p:attrNameLst>
+                                          <p:attrName>style.visibility</p:attrName>
+                                        </p:attrNameLst>
+                                      </p:cBhvr>
+                                      <p:to>
+                                        <p:strVal val="visible"/>
+                                      </p:to>
+                                    </p:set>
+                                    <p:animEffect transition="in" filter="wipe(down)">
+                                      <p:cBhvr>
+                                        <p:cTn id="15" dur="500"/>
+                                        <p:tgtEl>
+                                          <p:spTgt spid="3">
+                                            <p:txEl>
+                                              <p:pRg st="2" end="2"/>
+                                            </p:txEl>
+                                          </p:spTgt>
+                                        </p:tgtEl>
+                                      </p:cBhvr>
+                                    </p:animEffect>
+                                  </p:childTnLst>
+                                </p:cTn>
+                              </p:par>
+                            </p:childTnLst>
+                          </p:cTn>
+                        </p:par>
+                        <p:par>
+                          <p:cTn id="16" fill="hold">
+                            <p:stCondLst>
+                              <p:cond delay="1500"/>
+                            </p:stCondLst>
+                            <p:childTnLst>
+                              <p:par>
+                                <p:cTn id="17" presetID="22" presetClass="entr" presetSubtype="4" fill="hold" nodeType="afterEffect">
+                                  <p:stCondLst>
+                                    <p:cond delay="0"/>
+                                  </p:stCondLst>
+                                  <p:childTnLst>
+                                    <p:set>
+                                      <p:cBhvr>
+                                        <p:cTn id="18" dur="1" fill="hold">
+                                          <p:stCondLst>
+                                            <p:cond delay="0"/>
+                                          </p:stCondLst>
+                                        </p:cTn>
+                                        <p:tgtEl>
+                                          <p:spTgt spid="3">
+                                            <p:txEl>
+                                              <p:pRg st="3" end="3"/>
+                                            </p:txEl>
+                                          </p:spTgt>
+                                        </p:tgtEl>
+                                        <p:attrNameLst>
+                                          <p:attrName>style.visibility</p:attrName>
+                                        </p:attrNameLst>
+                                      </p:cBhvr>
+                                      <p:to>
+                                        <p:strVal val="visible"/>
+                                      </p:to>
+                                    </p:set>
+                                    <p:animEffect transition="in" filter="wipe(down)">
+                                      <p:cBhvr>
+                                        <p:cTn id="19" dur="500"/>
+                                        <p:tgtEl>
+                                          <p:spTgt spid="3">
+                                            <p:txEl>
+                                              <p:pRg st="3" end="3"/>
+                                            </p:txEl>
+                                          </p:spTgt>
+                                        </p:tgtEl>
+                                      </p:cBhvr>
+                                    </p:animEffect>
+                                  </p:childTnLst>
+                                </p:cTn>
+                              </p:par>
+                            </p:childTnLst>
+                          </p:cTn>
+                        </p:par>
+                      </p:childTnLst>
+                    </p:cTn>
+                  </p:par>
+                </p:childTnLst>
+              </p:cTn>
+              <p:prevCondLst>
+                <p:cond evt="onPrev" delay="0">
+                  <p:tgtEl>
+                    <p:sldTgt/>
+                  </p:tgtEl>
+                </p:cond>
+              </p:prevCondLst>
+              <p:nextCondLst>
+                <p:cond evt="onNext" delay="0">
+                  <p:tgtEl>
+                    <p:sldTgt/>
+                  </p:tgtEl>
+                </p:cond>
+              </p:nextCondLst>
+            </p:seq>
+          </p:childTnLst>
+        </p:cTn>
       </p:par>
     </p:tnLst>
+  </p:timing>
+</p:sld>
+</file>
+
+<file path=ppt/slides/slide9.xml><?xml version="1.0" encoding="utf-8"?>
+<p:sld xmlns:a="http://schemas.openxmlformats.org/drawingml/2006/main" xmlns:r="http://schemas.openxmlformats.org/officeDocument/2006/relationships" xmlns:p="http://schemas.openxmlformats.org/presentationml/2006/main">
+  <p:cSld>
+    <p:spTree>
+      <p:nvGrpSpPr>
+        <p:cNvPr id="1" name=""/>
+        <p:cNvGrpSpPr/>
+        <p:nvPr/>
+      </p:nvGrpSpPr>
+      <p:grpSpPr>
+        <a:xfrm>
+          <a:off x="0" y="0"/>
+          <a:ext cx="0" cy="0"/>
+          <a:chOff x="0" y="0"/>
+          <a:chExt cx="0" cy="0"/>
+        </a:xfrm>
+      </p:grpSpPr>
+      <p:sp>
+        <p:nvSpPr>
+          <p:cNvPr id="2" name="Title 1"/>
+          <p:cNvSpPr>
+            <a:spLocks noGrp="1"/>
+          </p:cNvSpPr>
+          <p:nvPr>
+            <p:ph type="title"/>
+          </p:nvPr>
+        </p:nvSpPr>
+        <p:spPr/>
+        <p:txBody>
+          <a:bodyPr/>
+          <a:lstStyle/>
+          <a:p>
+            <a:r>
+              <a:rPr lang="en-US" dirty="0" smtClean="0"/>
+              <a:t>Saran</a:t>
+            </a:r>
+            <a:endParaRPr lang="en-US" dirty="0"/>
+          </a:p>
+        </p:txBody>
+      </p:sp>
+      <p:sp>
+        <p:nvSpPr>
+          <p:cNvPr id="3" name="Content Placeholder 2"/>
+          <p:cNvSpPr>
+            <a:spLocks noGrp="1"/>
+          </p:cNvSpPr>
+          <p:nvPr>
+            <p:ph idx="1"/>
+          </p:nvPr>
+        </p:nvSpPr>
+        <p:spPr/>
+        <p:txBody>
+          <a:bodyPr>
+            <a:normAutofit/>
+          </a:bodyPr>
+          <a:lstStyle/>
+          <a:p>
+            <a:pPr marL="457200" indent="-457200">
+              <a:buFont typeface="+mj-lt"/>
+              <a:buAutoNum type="arabicPeriod"/>
+            </a:pPr>
+            <a:r>
+              <a:rPr lang="en-US" sz="2400" dirty="0" err="1"/>
+              <a:t>Cari</a:t>
+            </a:r>
+            <a:r>
+              <a:rPr lang="en-US" sz="2400" dirty="0"/>
+              <a:t> dataset yang </a:t>
+            </a:r>
+            <a:r>
+              <a:rPr lang="en-US" sz="2400" dirty="0" err="1" smtClean="0"/>
+              <a:t>bisa</a:t>
+            </a:r>
+            <a:r>
+              <a:rPr lang="en-US" sz="2400" dirty="0" smtClean="0"/>
+              <a:t> </a:t>
+            </a:r>
+            <a:r>
+              <a:rPr lang="en-US" sz="2400" dirty="0" err="1" smtClean="0"/>
+              <a:t>dilakukan</a:t>
+            </a:r>
+            <a:r>
+              <a:rPr lang="en-US" sz="2400" dirty="0" smtClean="0"/>
+              <a:t> proses mining </a:t>
+            </a:r>
+            <a:r>
+              <a:rPr lang="en-US" sz="2400" dirty="0" err="1"/>
+              <a:t>lebih</a:t>
+            </a:r>
+            <a:r>
+              <a:rPr lang="en-US" sz="2400" dirty="0"/>
+              <a:t> </a:t>
+            </a:r>
+            <a:r>
+              <a:rPr lang="en-US" sz="2400" dirty="0" err="1"/>
+              <a:t>banyak</a:t>
+            </a:r>
+            <a:r>
+              <a:rPr lang="en-US" sz="2400" dirty="0"/>
+              <a:t> </a:t>
+            </a:r>
+            <a:r>
+              <a:rPr lang="en-US" sz="2400" dirty="0" err="1"/>
+              <a:t>dan</a:t>
+            </a:r>
+            <a:r>
+              <a:rPr lang="en-US" sz="2400" dirty="0"/>
+              <a:t> </a:t>
+            </a:r>
+            <a:r>
+              <a:rPr lang="en-US" sz="2400" dirty="0" err="1"/>
+              <a:t>bisa</a:t>
+            </a:r>
+            <a:r>
+              <a:rPr lang="en-US" sz="2400" dirty="0"/>
+              <a:t> </a:t>
+            </a:r>
+            <a:r>
+              <a:rPr lang="en-US" sz="2400" dirty="0" err="1"/>
+              <a:t>dilakukan</a:t>
+            </a:r>
+            <a:r>
+              <a:rPr lang="en-US" sz="2400" dirty="0"/>
+              <a:t> clustering </a:t>
+            </a:r>
+            <a:r>
+              <a:rPr lang="en-US" sz="2400" dirty="0" err="1"/>
+              <a:t>jika</a:t>
+            </a:r>
+            <a:r>
+              <a:rPr lang="en-US" sz="2400" dirty="0"/>
+              <a:t> </a:t>
+            </a:r>
+            <a:r>
+              <a:rPr lang="en-US" sz="2400" dirty="0" err="1"/>
+              <a:t>ada</a:t>
+            </a:r>
+            <a:r>
+              <a:rPr lang="en-US" sz="2400" dirty="0"/>
+              <a:t> data yang </a:t>
+            </a:r>
+            <a:r>
+              <a:rPr lang="en-US" sz="2400" dirty="0" err="1"/>
+              <a:t>baru</a:t>
+            </a:r>
+            <a:endParaRPr lang="en-US" sz="2400" dirty="0"/>
+          </a:p>
+        </p:txBody>
+      </p:sp>
+    </p:spTree>
+    <p:extLst>
+      <p:ext uri="{BB962C8B-B14F-4D97-AF65-F5344CB8AC3E}">
+        <p14:creationId xmlns:p14="http://schemas.microsoft.com/office/powerpoint/2010/main" val="2385580344"/>
+      </p:ext>
+    </p:extLst>
+  </p:cSld>
+  <p:clrMapOvr>
+    <a:masterClrMapping/>
+  </p:clrMapOvr>
+  <p:transition spd="slow">
+    <p:push dir="u"/>
+  </p:transition>
+  <p:timing>
+    <p:tnLst>
+      <p:par>
+        <p:cTn id="1" dur="indefinite" restart="never" nodeType="tmRoot">
+          <p:childTnLst>
+            <p:seq concurrent="1" nextAc="seek">
+              <p:cTn id="2" dur="indefinite" nodeType="mainSeq">
+                <p:childTnLst>
+                  <p:par>
+                    <p:cTn id="3" fill="hold">
+                      <p:stCondLst>
+                        <p:cond delay="indefinite"/>
+                        <p:cond evt="onBegin" delay="0">
+                          <p:tn val="2"/>
+                        </p:cond>
+                      </p:stCondLst>
+                      <p:childTnLst>
+                        <p:par>
+                          <p:cTn id="4" fill="hold">
+                            <p:stCondLst>
+                              <p:cond delay="0"/>
+                            </p:stCondLst>
+                            <p:childTnLst>
+                              <p:par>
+                                <p:cTn id="5" presetID="22" presetClass="entr" presetSubtype="4" fill="hold" grpId="0" nodeType="afterEffect">
+                                  <p:stCondLst>
+                                    <p:cond delay="0"/>
+                                  </p:stCondLst>
+                                  <p:childTnLst>
+                                    <p:set>
+                                      <p:cBhvr>
+                                        <p:cTn id="6" dur="1" fill="hold">
+                                          <p:stCondLst>
+                                            <p:cond delay="0"/>
+                                          </p:stCondLst>
+                                        </p:cTn>
+                                        <p:tgtEl>
+                                          <p:spTgt spid="3">
+                                            <p:txEl>
+                                              <p:pRg st="0" end="0"/>
+                                            </p:txEl>
+                                          </p:spTgt>
+                                        </p:tgtEl>
+                                        <p:attrNameLst>
+                                          <p:attrName>style.visibility</p:attrName>
+                                        </p:attrNameLst>
+                                      </p:cBhvr>
+                                      <p:to>
+                                        <p:strVal val="visible"/>
+                                      </p:to>
+                                    </p:set>
+                                    <p:animEffect transition="in" filter="wipe(down)">
+                                      <p:cBhvr>
+                                        <p:cTn id="7" dur="500"/>
+                                        <p:tgtEl>
+                                          <p:spTgt spid="3">
+                                            <p:txEl>
+                                              <p:pRg st="0" end="0"/>
+                                            </p:txEl>
+                                          </p:spTgt>
+                                        </p:tgtEl>
+                                      </p:cBhvr>
+                                    </p:animEffect>
+                                  </p:childTnLst>
+                                </p:cTn>
+                              </p:par>
+                            </p:childTnLst>
+                          </p:cTn>
+                        </p:par>
+                      </p:childTnLst>
+                    </p:cTn>
+                  </p:par>
+                </p:childTnLst>
+              </p:cTn>
+              <p:prevCondLst>
+                <p:cond evt="onPrev" delay="0">
+                  <p:tgtEl>
+                    <p:sldTgt/>
+                  </p:tgtEl>
+                </p:cond>
+              </p:prevCondLst>
+              <p:nextCondLst>
+                <p:cond evt="onNext" delay="0">
+                  <p:tgtEl>
+                    <p:sldTgt/>
+                  </p:tgtEl>
+                </p:cond>
+              </p:nextCondLst>
+            </p:seq>
+          </p:childTnLst>
+        </p:cTn>
+      </p:par>
+    </p:tnLst>
+    <p:bldLst>
+      <p:bldP spid="3" grpId="0" build="p"/>
+    </p:bldLst>
   </p:timing>
 </p:sld>
 </file>
@@ -9564,7 +10346,7 @@
   <a:extraClrSchemeLst/>
   <a:extLst>
     <a:ext uri="{05A4C25C-085E-4340-85A3-A5531E510DB2}">
-      <thm15:themeFamily xmlns:thm15="http://schemas.microsoft.com/office/thememl/2012/main" name="Celestial" id="{C4BB2A3D-0E93-4C5F-B0D2-9D3FCE089CC5}" vid="{42E5908D-19A2-46FD-89FA-638B126129EF}"/>
+      <thm15:themeFamily xmlns:thm15="http://schemas.microsoft.com/office/thememl/2012/main" xmlns="" name="Celestial" id="{C4BB2A3D-0E93-4C5F-B0D2-9D3FCE089CC5}" vid="{42E5908D-19A2-46FD-89FA-638B126129EF}"/>
     </a:ext>
   </a:extLst>
 </a:theme>
